--- a/25-Ethics and Wrap Up/Model Evaluation-CE 599.pptx
+++ b/25-Ethics and Wrap Up/Model Evaluation-CE 599.pptx
@@ -22,8 +22,8 @@
     <p:sldId id="297" r:id="rId10"/>
     <p:sldId id="302" r:id="rId11"/>
     <p:sldId id="312" r:id="rId12"/>
-    <p:sldId id="313" r:id="rId13"/>
-    <p:sldId id="305" r:id="rId14"/>
+    <p:sldId id="305" r:id="rId13"/>
+    <p:sldId id="313" r:id="rId14"/>
     <p:sldId id="306" r:id="rId15"/>
     <p:sldId id="298" r:id="rId16"/>
     <p:sldId id="308" r:id="rId17"/>
@@ -4725,6 +4725,10 @@
               <a:rPr lang="en-US" sz="1800" b="1" dirty="0"/>
               <a:t>Gregory D. Erhardt</a:t>
             </a:r>
+            <a:r>
+              <a:rPr lang="en-US" sz="1800" dirty="0"/>
+              <a:t/>
+            </a:r>
             <a:br>
               <a:rPr lang="en-US" sz="1800" dirty="0"/>
             </a:br>
@@ -5655,8 +5659,13 @@
           <a:p>
             <a:r>
               <a:rPr lang="en-US" dirty="0"/>
-              <a:t>An Example</a:t>
-            </a:r>
+              <a:t>An </a:t>
+            </a:r>
+            <a:r>
+              <a:rPr lang="en-US" dirty="0" smtClean="0"/>
+              <a:t>example</a:t>
+            </a:r>
+            <a:endParaRPr lang="en-US" dirty="0"/>
           </a:p>
         </p:txBody>
       </p:sp>
@@ -5807,6 +5816,13 @@
   <p:clrMapOvr>
     <a:masterClrMapping/>
   </p:clrMapOvr>
+  <p:timing>
+    <p:tnLst>
+      <p:par>
+        <p:cTn id="1" dur="indefinite" restart="never" nodeType="tmRoot"/>
+      </p:par>
+    </p:tnLst>
+  </p:timing>
 </p:sld>
 </file>
 
@@ -5843,9 +5859,454 @@
           <a:lstStyle/>
           <a:p>
             <a:r>
-              <a:rPr lang="en-US" dirty="0"/>
-              <a:t>Updating the overall record</a:t>
-            </a:r>
+              <a:rPr lang="en-GB" dirty="0"/>
+              <a:t>Testing predictions about the past</a:t>
+            </a:r>
+          </a:p>
+        </p:txBody>
+      </p:sp>
+      <p:sp>
+        <p:nvSpPr>
+          <p:cNvPr id="3" name="Content Placeholder 2"/>
+          <p:cNvSpPr>
+            <a:spLocks noGrp="1"/>
+          </p:cNvSpPr>
+          <p:nvPr>
+            <p:ph idx="1"/>
+          </p:nvPr>
+        </p:nvSpPr>
+        <p:spPr>
+          <a:xfrm>
+            <a:off x="341530" y="1583795"/>
+            <a:ext cx="8489950" cy="4573485"/>
+          </a:xfrm>
+        </p:spPr>
+        <p:txBody>
+          <a:bodyPr/>
+          <a:lstStyle/>
+          <a:p>
+            <a:pPr marL="0" indent="0">
+              <a:buNone/>
+            </a:pPr>
+            <a:r>
+              <a:rPr lang="en-GB" sz="2400" dirty="0"/>
+              <a:t>“Because of </a:t>
+            </a:r>
+            <a:r>
+              <a:rPr lang="en-GB" sz="2400" b="1" dirty="0">
+                <a:solidFill>
+                  <a:schemeClr val="accent2"/>
+                </a:solidFill>
+              </a:rPr>
+              <a:t>data limitations</a:t>
+            </a:r>
+            <a:r>
+              <a:rPr lang="en-GB" sz="2400" dirty="0"/>
+              <a:t>, however, changes in behaviour from before to after were not compared.”</a:t>
+            </a:r>
+          </a:p>
+          <a:p>
+            <a:pPr marL="0" indent="0">
+              <a:buNone/>
+            </a:pPr>
+            <a:r>
+              <a:rPr lang="en-GB" sz="1600" i="1" dirty="0" err="1"/>
+              <a:t>Ferdous</a:t>
+            </a:r>
+            <a:r>
+              <a:rPr lang="en-GB" sz="1600" i="1" dirty="0"/>
+              <a:t> et al., “Comparison of Four-Step Versus Tour-Based Models for Prediction of Travel </a:t>
+            </a:r>
+            <a:r>
+              <a:rPr lang="en-GB" sz="1600" i="1" dirty="0" err="1"/>
+              <a:t>Behavior</a:t>
+            </a:r>
+            <a:r>
+              <a:rPr lang="en-GB" sz="1600" i="1" dirty="0"/>
+              <a:t> Before and After Transportation System Changes,” Transportation Research Record: Journal of the Transportation Research Board, vol. 2303, no. 1, pp. 46–60, Dec. 2012.</a:t>
+            </a:r>
+          </a:p>
+          <a:p>
+            <a:pPr marL="0" indent="0">
+              <a:buNone/>
+            </a:pPr>
+            <a:endParaRPr lang="en-GB" sz="2000" dirty="0"/>
+          </a:p>
+          <a:p>
+            <a:pPr marL="0" indent="0">
+              <a:buNone/>
+            </a:pPr>
+            <a:r>
+              <a:rPr lang="en-GB" sz="2400" dirty="0"/>
+              <a:t>“The lack of availability for </a:t>
+            </a:r>
+            <a:r>
+              <a:rPr lang="en-GB" sz="2400" b="1" dirty="0">
+                <a:solidFill>
+                  <a:schemeClr val="accent2"/>
+                </a:solidFill>
+              </a:rPr>
+              <a:t>necessary data items </a:t>
+            </a:r>
+            <a:r>
+              <a:rPr lang="en-GB" sz="2400" dirty="0"/>
+              <a:t>is a general problem and probably the biggest limitation to advances in the field.”</a:t>
+            </a:r>
+          </a:p>
+          <a:p>
+            <a:pPr marL="0" indent="0">
+              <a:buNone/>
+            </a:pPr>
+            <a:r>
+              <a:rPr lang="en-GB" sz="1600" i="1" dirty="0" err="1"/>
+              <a:t>Nicolaisen</a:t>
+            </a:r>
+            <a:r>
+              <a:rPr lang="en-GB" sz="1600" i="1" dirty="0"/>
+              <a:t>, M.S., and P.A. Driscoll. 2014. “Ex-Post Evaluations of Demand Forecast Accuracy: A Literature Review.” Transport Reviews 34, no. 4: 540–57. </a:t>
+            </a:r>
+          </a:p>
+          <a:p>
+            <a:pPr marL="0" indent="0" algn="r">
+              <a:buNone/>
+            </a:pPr>
+            <a:endParaRPr lang="en-GB" sz="2000" dirty="0"/>
+          </a:p>
+          <a:p>
+            <a:pPr marL="0" indent="0">
+              <a:buNone/>
+            </a:pPr>
+            <a:endParaRPr lang="en-GB" sz="2000" dirty="0"/>
+          </a:p>
+        </p:txBody>
+      </p:sp>
+      <p:sp>
+        <p:nvSpPr>
+          <p:cNvPr id="17" name="Slide Number Placeholder 16"/>
+          <p:cNvSpPr>
+            <a:spLocks noGrp="1"/>
+          </p:cNvSpPr>
+          <p:nvPr>
+            <p:ph type="sldNum" sz="quarter" idx="10"/>
+          </p:nvPr>
+        </p:nvSpPr>
+        <p:spPr/>
+        <p:txBody>
+          <a:bodyPr/>
+          <a:lstStyle/>
+          <a:p>
+            <a:pPr algn="ctr"/>
+            <a:fld id="{DB5A3A47-29A7-45E5-923E-10FF85749154}" type="slidenum">
+              <a:rPr lang="en-GB" smtClean="0"/>
+              <a:pPr algn="ctr"/>
+              <a:t>12</a:t>
+            </a:fld>
+            <a:endParaRPr lang="en-GB" dirty="0"/>
+          </a:p>
+        </p:txBody>
+      </p:sp>
+      <p:sp>
+        <p:nvSpPr>
+          <p:cNvPr id="5" name="Title 1"/>
+          <p:cNvSpPr txBox="1">
+            <a:spLocks/>
+          </p:cNvSpPr>
+          <p:nvPr/>
+        </p:nvSpPr>
+        <p:spPr bwMode="auto">
+          <a:xfrm>
+            <a:off x="116504" y="5904276"/>
+            <a:ext cx="9027495" cy="630070"/>
+          </a:xfrm>
+          <a:prstGeom prst="rect">
+            <a:avLst/>
+          </a:prstGeom>
+          <a:noFill/>
+          <a:ln w="9525">
+            <a:noFill/>
+            <a:miter lim="800000"/>
+            <a:headEnd/>
+            <a:tailEnd/>
+          </a:ln>
+          <a:effectLst/>
+        </p:spPr>
+        <p:txBody>
+          <a:bodyPr vert="horz" wrap="square" lIns="91440" tIns="45720" rIns="91440" bIns="45720" numCol="1" anchor="t" anchorCtr="0" compatLnSpc="1">
+            <a:prstTxWarp prst="textNoShape">
+              <a:avLst/>
+            </a:prstTxWarp>
+          </a:bodyPr>
+          <a:lstStyle>
+            <a:lvl1pPr algn="ctr" rtl="0" fontAlgn="base">
+              <a:spcBef>
+                <a:spcPct val="0"/>
+              </a:spcBef>
+              <a:spcAft>
+                <a:spcPct val="0"/>
+              </a:spcAft>
+              <a:defRPr sz="3200" b="1">
+                <a:solidFill>
+                  <a:schemeClr val="tx2"/>
+                </a:solidFill>
+                <a:latin typeface="+mj-lt"/>
+                <a:ea typeface="+mj-ea"/>
+                <a:cs typeface="+mj-cs"/>
+              </a:defRPr>
+            </a:lvl1pPr>
+            <a:lvl2pPr algn="l" rtl="0" fontAlgn="base">
+              <a:spcBef>
+                <a:spcPct val="0"/>
+              </a:spcBef>
+              <a:spcAft>
+                <a:spcPct val="0"/>
+              </a:spcAft>
+              <a:defRPr sz="3000" b="1">
+                <a:solidFill>
+                  <a:schemeClr val="tx2"/>
+                </a:solidFill>
+                <a:latin typeface="Arial" charset="0"/>
+              </a:defRPr>
+            </a:lvl2pPr>
+            <a:lvl3pPr algn="l" rtl="0" fontAlgn="base">
+              <a:spcBef>
+                <a:spcPct val="0"/>
+              </a:spcBef>
+              <a:spcAft>
+                <a:spcPct val="0"/>
+              </a:spcAft>
+              <a:defRPr sz="3000" b="1">
+                <a:solidFill>
+                  <a:schemeClr val="tx2"/>
+                </a:solidFill>
+                <a:latin typeface="Arial" charset="0"/>
+              </a:defRPr>
+            </a:lvl3pPr>
+            <a:lvl4pPr algn="l" rtl="0" fontAlgn="base">
+              <a:spcBef>
+                <a:spcPct val="0"/>
+              </a:spcBef>
+              <a:spcAft>
+                <a:spcPct val="0"/>
+              </a:spcAft>
+              <a:defRPr sz="3000" b="1">
+                <a:solidFill>
+                  <a:schemeClr val="tx2"/>
+                </a:solidFill>
+                <a:latin typeface="Arial" charset="0"/>
+              </a:defRPr>
+            </a:lvl4pPr>
+            <a:lvl5pPr algn="l" rtl="0" fontAlgn="base">
+              <a:spcBef>
+                <a:spcPct val="0"/>
+              </a:spcBef>
+              <a:spcAft>
+                <a:spcPct val="0"/>
+              </a:spcAft>
+              <a:defRPr sz="3000" b="1">
+                <a:solidFill>
+                  <a:schemeClr val="tx2"/>
+                </a:solidFill>
+                <a:latin typeface="Arial" charset="0"/>
+              </a:defRPr>
+            </a:lvl5pPr>
+            <a:lvl6pPr marL="457200" algn="l" rtl="0" fontAlgn="base">
+              <a:spcBef>
+                <a:spcPct val="0"/>
+              </a:spcBef>
+              <a:spcAft>
+                <a:spcPct val="0"/>
+              </a:spcAft>
+              <a:defRPr sz="3000" b="1">
+                <a:solidFill>
+                  <a:schemeClr val="tx2"/>
+                </a:solidFill>
+                <a:latin typeface="Arial" charset="0"/>
+              </a:defRPr>
+            </a:lvl6pPr>
+            <a:lvl7pPr marL="914400" algn="l" rtl="0" fontAlgn="base">
+              <a:spcBef>
+                <a:spcPct val="0"/>
+              </a:spcBef>
+              <a:spcAft>
+                <a:spcPct val="0"/>
+              </a:spcAft>
+              <a:defRPr sz="3000" b="1">
+                <a:solidFill>
+                  <a:schemeClr val="tx2"/>
+                </a:solidFill>
+                <a:latin typeface="Arial" charset="0"/>
+              </a:defRPr>
+            </a:lvl7pPr>
+            <a:lvl8pPr marL="1371600" algn="l" rtl="0" fontAlgn="base">
+              <a:spcBef>
+                <a:spcPct val="0"/>
+              </a:spcBef>
+              <a:spcAft>
+                <a:spcPct val="0"/>
+              </a:spcAft>
+              <a:defRPr sz="3000" b="1">
+                <a:solidFill>
+                  <a:schemeClr val="tx2"/>
+                </a:solidFill>
+                <a:latin typeface="Arial" charset="0"/>
+              </a:defRPr>
+            </a:lvl8pPr>
+            <a:lvl9pPr marL="1828800" algn="l" rtl="0" fontAlgn="base">
+              <a:spcBef>
+                <a:spcPct val="0"/>
+              </a:spcBef>
+              <a:spcAft>
+                <a:spcPct val="0"/>
+              </a:spcAft>
+              <a:defRPr sz="3000" b="1">
+                <a:solidFill>
+                  <a:schemeClr val="tx2"/>
+                </a:solidFill>
+                <a:latin typeface="Arial" charset="0"/>
+              </a:defRPr>
+            </a:lvl9pPr>
+          </a:lstStyle>
+          <a:p>
+            <a:pPr algn="l"/>
+            <a:r>
+              <a:rPr lang="en-GB" sz="2800" kern="0" dirty="0">
+                <a:solidFill>
+                  <a:schemeClr val="accent2"/>
+                </a:solidFill>
+              </a:rPr>
+              <a:t>Cross-sectional surveys don’t tell us about change!</a:t>
+            </a:r>
+          </a:p>
+        </p:txBody>
+      </p:sp>
+    </p:spTree>
+    <p:extLst>
+      <p:ext uri="{BB962C8B-B14F-4D97-AF65-F5344CB8AC3E}">
+        <p14:creationId xmlns:p14="http://schemas.microsoft.com/office/powerpoint/2010/main" val="3227396803"/>
+      </p:ext>
+    </p:extLst>
+  </p:cSld>
+  <p:clrMapOvr>
+    <a:masterClrMapping/>
+  </p:clrMapOvr>
+  <p:timing>
+    <p:tnLst>
+      <p:par>
+        <p:cTn id="1" dur="indefinite" restart="never" nodeType="tmRoot">
+          <p:childTnLst>
+            <p:seq concurrent="1" nextAc="seek">
+              <p:cTn id="2" dur="indefinite" nodeType="mainSeq">
+                <p:childTnLst>
+                  <p:par>
+                    <p:cTn id="3" fill="hold">
+                      <p:stCondLst>
+                        <p:cond delay="indefinite"/>
+                      </p:stCondLst>
+                      <p:childTnLst>
+                        <p:par>
+                          <p:cTn id="4" fill="hold">
+                            <p:stCondLst>
+                              <p:cond delay="0"/>
+                            </p:stCondLst>
+                            <p:childTnLst>
+                              <p:par>
+                                <p:cTn id="5" presetID="1" presetClass="entr" presetSubtype="0" fill="hold" grpId="0" nodeType="clickEffect">
+                                  <p:stCondLst>
+                                    <p:cond delay="0"/>
+                                  </p:stCondLst>
+                                  <p:childTnLst>
+                                    <p:set>
+                                      <p:cBhvr>
+                                        <p:cTn id="6" dur="1" fill="hold">
+                                          <p:stCondLst>
+                                            <p:cond delay="0"/>
+                                          </p:stCondLst>
+                                        </p:cTn>
+                                        <p:tgtEl>
+                                          <p:spTgt spid="5"/>
+                                        </p:tgtEl>
+                                        <p:attrNameLst>
+                                          <p:attrName>style.visibility</p:attrName>
+                                        </p:attrNameLst>
+                                      </p:cBhvr>
+                                      <p:to>
+                                        <p:strVal val="visible"/>
+                                      </p:to>
+                                    </p:set>
+                                  </p:childTnLst>
+                                </p:cTn>
+                              </p:par>
+                            </p:childTnLst>
+                          </p:cTn>
+                        </p:par>
+                      </p:childTnLst>
+                    </p:cTn>
+                  </p:par>
+                </p:childTnLst>
+              </p:cTn>
+              <p:prevCondLst>
+                <p:cond evt="onPrev" delay="0">
+                  <p:tgtEl>
+                    <p:sldTgt/>
+                  </p:tgtEl>
+                </p:cond>
+              </p:prevCondLst>
+              <p:nextCondLst>
+                <p:cond evt="onNext" delay="0">
+                  <p:tgtEl>
+                    <p:sldTgt/>
+                  </p:tgtEl>
+                </p:cond>
+              </p:nextCondLst>
+            </p:seq>
+          </p:childTnLst>
+        </p:cTn>
+      </p:par>
+    </p:tnLst>
+    <p:bldLst>
+      <p:bldP spid="5" grpId="0"/>
+    </p:bldLst>
+  </p:timing>
+</p:sld>
+</file>
+
+<file path=ppt/slides/slide13.xml><?xml version="1.0" encoding="utf-8"?>
+<p:sld xmlns:a="http://schemas.openxmlformats.org/drawingml/2006/main" xmlns:r="http://schemas.openxmlformats.org/officeDocument/2006/relationships" xmlns:p="http://schemas.openxmlformats.org/presentationml/2006/main">
+  <p:cSld>
+    <p:spTree>
+      <p:nvGrpSpPr>
+        <p:cNvPr id="1" name=""/>
+        <p:cNvGrpSpPr/>
+        <p:nvPr/>
+      </p:nvGrpSpPr>
+      <p:grpSpPr>
+        <a:xfrm>
+          <a:off x="0" y="0"/>
+          <a:ext cx="0" cy="0"/>
+          <a:chOff x="0" y="0"/>
+          <a:chExt cx="0" cy="0"/>
+        </a:xfrm>
+      </p:grpSpPr>
+      <p:sp>
+        <p:nvSpPr>
+          <p:cNvPr id="2" name="Title 1"/>
+          <p:cNvSpPr>
+            <a:spLocks noGrp="1"/>
+          </p:cNvSpPr>
+          <p:nvPr>
+            <p:ph type="title"/>
+          </p:nvPr>
+        </p:nvSpPr>
+        <p:spPr/>
+        <p:txBody>
+          <a:bodyPr/>
+          <a:lstStyle/>
+          <a:p>
+            <a:r>
+              <a:rPr lang="en-US" dirty="0" smtClean="0"/>
+              <a:t>The longer trend</a:t>
+            </a:r>
+            <a:endParaRPr lang="en-US" dirty="0"/>
           </a:p>
         </p:txBody>
       </p:sp>
@@ -5894,7 +6355,7 @@
             <a:fld id="{DB5A3A47-29A7-45E5-923E-10FF85749154}" type="slidenum">
               <a:rPr lang="en-GB" smtClean="0"/>
               <a:pPr algn="ctr"/>
-              <a:t>12</a:t>
+              <a:t>13</a:t>
             </a:fld>
             <a:endParaRPr lang="en-GB" dirty="0"/>
           </a:p>
@@ -6008,450 +6469,6 @@
         </p:cTn>
       </p:par>
     </p:tnLst>
-  </p:timing>
-</p:sld>
-</file>
-
-<file path=ppt/slides/slide13.xml><?xml version="1.0" encoding="utf-8"?>
-<p:sld xmlns:a="http://schemas.openxmlformats.org/drawingml/2006/main" xmlns:r="http://schemas.openxmlformats.org/officeDocument/2006/relationships" xmlns:p="http://schemas.openxmlformats.org/presentationml/2006/main">
-  <p:cSld>
-    <p:spTree>
-      <p:nvGrpSpPr>
-        <p:cNvPr id="1" name=""/>
-        <p:cNvGrpSpPr/>
-        <p:nvPr/>
-      </p:nvGrpSpPr>
-      <p:grpSpPr>
-        <a:xfrm>
-          <a:off x="0" y="0"/>
-          <a:ext cx="0" cy="0"/>
-          <a:chOff x="0" y="0"/>
-          <a:chExt cx="0" cy="0"/>
-        </a:xfrm>
-      </p:grpSpPr>
-      <p:sp>
-        <p:nvSpPr>
-          <p:cNvPr id="2" name="Title 1"/>
-          <p:cNvSpPr>
-            <a:spLocks noGrp="1"/>
-          </p:cNvSpPr>
-          <p:nvPr>
-            <p:ph type="title"/>
-          </p:nvPr>
-        </p:nvSpPr>
-        <p:spPr/>
-        <p:txBody>
-          <a:bodyPr/>
-          <a:lstStyle/>
-          <a:p>
-            <a:r>
-              <a:rPr lang="en-GB" dirty="0"/>
-              <a:t>Testing predictions about the past</a:t>
-            </a:r>
-          </a:p>
-        </p:txBody>
-      </p:sp>
-      <p:sp>
-        <p:nvSpPr>
-          <p:cNvPr id="3" name="Content Placeholder 2"/>
-          <p:cNvSpPr>
-            <a:spLocks noGrp="1"/>
-          </p:cNvSpPr>
-          <p:nvPr>
-            <p:ph idx="1"/>
-          </p:nvPr>
-        </p:nvSpPr>
-        <p:spPr>
-          <a:xfrm>
-            <a:off x="341530" y="1583795"/>
-            <a:ext cx="8489950" cy="4573485"/>
-          </a:xfrm>
-        </p:spPr>
-        <p:txBody>
-          <a:bodyPr/>
-          <a:lstStyle/>
-          <a:p>
-            <a:pPr marL="0" indent="0">
-              <a:buNone/>
-            </a:pPr>
-            <a:r>
-              <a:rPr lang="en-GB" sz="2400" dirty="0"/>
-              <a:t>“Because of </a:t>
-            </a:r>
-            <a:r>
-              <a:rPr lang="en-GB" sz="2400" b="1" dirty="0">
-                <a:solidFill>
-                  <a:schemeClr val="accent2"/>
-                </a:solidFill>
-              </a:rPr>
-              <a:t>data limitations</a:t>
-            </a:r>
-            <a:r>
-              <a:rPr lang="en-GB" sz="2400" dirty="0"/>
-              <a:t>, however, changes in behaviour from before to after were not compared.”</a:t>
-            </a:r>
-          </a:p>
-          <a:p>
-            <a:pPr marL="0" indent="0">
-              <a:buNone/>
-            </a:pPr>
-            <a:r>
-              <a:rPr lang="en-GB" sz="1600" i="1" dirty="0" err="1"/>
-              <a:t>Ferdous</a:t>
-            </a:r>
-            <a:r>
-              <a:rPr lang="en-GB" sz="1600" i="1" dirty="0"/>
-              <a:t> et al., “Comparison of Four-Step Versus Tour-Based Models for Prediction of Travel </a:t>
-            </a:r>
-            <a:r>
-              <a:rPr lang="en-GB" sz="1600" i="1" dirty="0" err="1"/>
-              <a:t>Behavior</a:t>
-            </a:r>
-            <a:r>
-              <a:rPr lang="en-GB" sz="1600" i="1" dirty="0"/>
-              <a:t> Before and After Transportation System Changes,” Transportation Research Record: Journal of the Transportation Research Board, vol. 2303, no. 1, pp. 46–60, Dec. 2012.</a:t>
-            </a:r>
-          </a:p>
-          <a:p>
-            <a:pPr marL="0" indent="0">
-              <a:buNone/>
-            </a:pPr>
-            <a:endParaRPr lang="en-GB" sz="2000" dirty="0"/>
-          </a:p>
-          <a:p>
-            <a:pPr marL="0" indent="0">
-              <a:buNone/>
-            </a:pPr>
-            <a:r>
-              <a:rPr lang="en-GB" sz="2400" dirty="0"/>
-              <a:t>“The lack of availability for </a:t>
-            </a:r>
-            <a:r>
-              <a:rPr lang="en-GB" sz="2400" b="1" dirty="0">
-                <a:solidFill>
-                  <a:schemeClr val="accent2"/>
-                </a:solidFill>
-              </a:rPr>
-              <a:t>necessary data items </a:t>
-            </a:r>
-            <a:r>
-              <a:rPr lang="en-GB" sz="2400" dirty="0"/>
-              <a:t>is a general problem and probably the biggest limitation to advances in the field.”</a:t>
-            </a:r>
-          </a:p>
-          <a:p>
-            <a:pPr marL="0" indent="0">
-              <a:buNone/>
-            </a:pPr>
-            <a:r>
-              <a:rPr lang="en-GB" sz="1600" i="1" dirty="0" err="1"/>
-              <a:t>Nicolaisen</a:t>
-            </a:r>
-            <a:r>
-              <a:rPr lang="en-GB" sz="1600" i="1" dirty="0"/>
-              <a:t>, M.S., and P.A. Driscoll. 2014. “Ex-Post Evaluations of Demand Forecast Accuracy: A Literature Review.” Transport Reviews 34, no. 4: 540–57. </a:t>
-            </a:r>
-          </a:p>
-          <a:p>
-            <a:pPr marL="0" indent="0" algn="r">
-              <a:buNone/>
-            </a:pPr>
-            <a:endParaRPr lang="en-GB" sz="2000" dirty="0"/>
-          </a:p>
-          <a:p>
-            <a:pPr marL="0" indent="0">
-              <a:buNone/>
-            </a:pPr>
-            <a:endParaRPr lang="en-GB" sz="2000" dirty="0"/>
-          </a:p>
-        </p:txBody>
-      </p:sp>
-      <p:sp>
-        <p:nvSpPr>
-          <p:cNvPr id="17" name="Slide Number Placeholder 16"/>
-          <p:cNvSpPr>
-            <a:spLocks noGrp="1"/>
-          </p:cNvSpPr>
-          <p:nvPr>
-            <p:ph type="sldNum" sz="quarter" idx="10"/>
-          </p:nvPr>
-        </p:nvSpPr>
-        <p:spPr/>
-        <p:txBody>
-          <a:bodyPr/>
-          <a:lstStyle/>
-          <a:p>
-            <a:pPr algn="ctr"/>
-            <a:fld id="{DB5A3A47-29A7-45E5-923E-10FF85749154}" type="slidenum">
-              <a:rPr lang="en-GB" smtClean="0"/>
-              <a:pPr algn="ctr"/>
-              <a:t>13</a:t>
-            </a:fld>
-            <a:endParaRPr lang="en-GB" dirty="0"/>
-          </a:p>
-        </p:txBody>
-      </p:sp>
-      <p:sp>
-        <p:nvSpPr>
-          <p:cNvPr id="5" name="Title 1"/>
-          <p:cNvSpPr txBox="1">
-            <a:spLocks/>
-          </p:cNvSpPr>
-          <p:nvPr/>
-        </p:nvSpPr>
-        <p:spPr bwMode="auto">
-          <a:xfrm>
-            <a:off x="116504" y="5904276"/>
-            <a:ext cx="9027495" cy="630070"/>
-          </a:xfrm>
-          <a:prstGeom prst="rect">
-            <a:avLst/>
-          </a:prstGeom>
-          <a:noFill/>
-          <a:ln w="9525">
-            <a:noFill/>
-            <a:miter lim="800000"/>
-            <a:headEnd/>
-            <a:tailEnd/>
-          </a:ln>
-          <a:effectLst/>
-        </p:spPr>
-        <p:txBody>
-          <a:bodyPr vert="horz" wrap="square" lIns="91440" tIns="45720" rIns="91440" bIns="45720" numCol="1" anchor="t" anchorCtr="0" compatLnSpc="1">
-            <a:prstTxWarp prst="textNoShape">
-              <a:avLst/>
-            </a:prstTxWarp>
-          </a:bodyPr>
-          <a:lstStyle>
-            <a:lvl1pPr algn="ctr" rtl="0" fontAlgn="base">
-              <a:spcBef>
-                <a:spcPct val="0"/>
-              </a:spcBef>
-              <a:spcAft>
-                <a:spcPct val="0"/>
-              </a:spcAft>
-              <a:defRPr sz="3200" b="1">
-                <a:solidFill>
-                  <a:schemeClr val="tx2"/>
-                </a:solidFill>
-                <a:latin typeface="+mj-lt"/>
-                <a:ea typeface="+mj-ea"/>
-                <a:cs typeface="+mj-cs"/>
-              </a:defRPr>
-            </a:lvl1pPr>
-            <a:lvl2pPr algn="l" rtl="0" fontAlgn="base">
-              <a:spcBef>
-                <a:spcPct val="0"/>
-              </a:spcBef>
-              <a:spcAft>
-                <a:spcPct val="0"/>
-              </a:spcAft>
-              <a:defRPr sz="3000" b="1">
-                <a:solidFill>
-                  <a:schemeClr val="tx2"/>
-                </a:solidFill>
-                <a:latin typeface="Arial" charset="0"/>
-              </a:defRPr>
-            </a:lvl2pPr>
-            <a:lvl3pPr algn="l" rtl="0" fontAlgn="base">
-              <a:spcBef>
-                <a:spcPct val="0"/>
-              </a:spcBef>
-              <a:spcAft>
-                <a:spcPct val="0"/>
-              </a:spcAft>
-              <a:defRPr sz="3000" b="1">
-                <a:solidFill>
-                  <a:schemeClr val="tx2"/>
-                </a:solidFill>
-                <a:latin typeface="Arial" charset="0"/>
-              </a:defRPr>
-            </a:lvl3pPr>
-            <a:lvl4pPr algn="l" rtl="0" fontAlgn="base">
-              <a:spcBef>
-                <a:spcPct val="0"/>
-              </a:spcBef>
-              <a:spcAft>
-                <a:spcPct val="0"/>
-              </a:spcAft>
-              <a:defRPr sz="3000" b="1">
-                <a:solidFill>
-                  <a:schemeClr val="tx2"/>
-                </a:solidFill>
-                <a:latin typeface="Arial" charset="0"/>
-              </a:defRPr>
-            </a:lvl4pPr>
-            <a:lvl5pPr algn="l" rtl="0" fontAlgn="base">
-              <a:spcBef>
-                <a:spcPct val="0"/>
-              </a:spcBef>
-              <a:spcAft>
-                <a:spcPct val="0"/>
-              </a:spcAft>
-              <a:defRPr sz="3000" b="1">
-                <a:solidFill>
-                  <a:schemeClr val="tx2"/>
-                </a:solidFill>
-                <a:latin typeface="Arial" charset="0"/>
-              </a:defRPr>
-            </a:lvl5pPr>
-            <a:lvl6pPr marL="457200" algn="l" rtl="0" fontAlgn="base">
-              <a:spcBef>
-                <a:spcPct val="0"/>
-              </a:spcBef>
-              <a:spcAft>
-                <a:spcPct val="0"/>
-              </a:spcAft>
-              <a:defRPr sz="3000" b="1">
-                <a:solidFill>
-                  <a:schemeClr val="tx2"/>
-                </a:solidFill>
-                <a:latin typeface="Arial" charset="0"/>
-              </a:defRPr>
-            </a:lvl6pPr>
-            <a:lvl7pPr marL="914400" algn="l" rtl="0" fontAlgn="base">
-              <a:spcBef>
-                <a:spcPct val="0"/>
-              </a:spcBef>
-              <a:spcAft>
-                <a:spcPct val="0"/>
-              </a:spcAft>
-              <a:defRPr sz="3000" b="1">
-                <a:solidFill>
-                  <a:schemeClr val="tx2"/>
-                </a:solidFill>
-                <a:latin typeface="Arial" charset="0"/>
-              </a:defRPr>
-            </a:lvl7pPr>
-            <a:lvl8pPr marL="1371600" algn="l" rtl="0" fontAlgn="base">
-              <a:spcBef>
-                <a:spcPct val="0"/>
-              </a:spcBef>
-              <a:spcAft>
-                <a:spcPct val="0"/>
-              </a:spcAft>
-              <a:defRPr sz="3000" b="1">
-                <a:solidFill>
-                  <a:schemeClr val="tx2"/>
-                </a:solidFill>
-                <a:latin typeface="Arial" charset="0"/>
-              </a:defRPr>
-            </a:lvl8pPr>
-            <a:lvl9pPr marL="1828800" algn="l" rtl="0" fontAlgn="base">
-              <a:spcBef>
-                <a:spcPct val="0"/>
-              </a:spcBef>
-              <a:spcAft>
-                <a:spcPct val="0"/>
-              </a:spcAft>
-              <a:defRPr sz="3000" b="1">
-                <a:solidFill>
-                  <a:schemeClr val="tx2"/>
-                </a:solidFill>
-                <a:latin typeface="Arial" charset="0"/>
-              </a:defRPr>
-            </a:lvl9pPr>
-          </a:lstStyle>
-          <a:p>
-            <a:pPr algn="l"/>
-            <a:r>
-              <a:rPr lang="en-GB" sz="2800" kern="0" dirty="0">
-                <a:solidFill>
-                  <a:schemeClr val="accent2"/>
-                </a:solidFill>
-              </a:rPr>
-              <a:t>Cross-sectional surveys don’t tell us about change!</a:t>
-            </a:r>
-          </a:p>
-        </p:txBody>
-      </p:sp>
-    </p:spTree>
-    <p:extLst>
-      <p:ext uri="{BB962C8B-B14F-4D97-AF65-F5344CB8AC3E}">
-        <p14:creationId xmlns:p14="http://schemas.microsoft.com/office/powerpoint/2010/main" val="3227396803"/>
-      </p:ext>
-    </p:extLst>
-  </p:cSld>
-  <p:clrMapOvr>
-    <a:masterClrMapping/>
-  </p:clrMapOvr>
-  <p:timing>
-    <p:tnLst>
-      <p:par>
-        <p:cTn id="1" dur="indefinite" restart="never" nodeType="tmRoot">
-          <p:childTnLst>
-            <p:seq concurrent="1" nextAc="seek">
-              <p:cTn id="2" dur="indefinite" nodeType="mainSeq">
-                <p:childTnLst>
-                  <p:par>
-                    <p:cTn id="3" fill="hold">
-                      <p:stCondLst>
-                        <p:cond delay="indefinite"/>
-                      </p:stCondLst>
-                      <p:childTnLst>
-                        <p:par>
-                          <p:cTn id="4" fill="hold">
-                            <p:stCondLst>
-                              <p:cond delay="0"/>
-                            </p:stCondLst>
-                            <p:childTnLst>
-                              <p:par>
-                                <p:cTn id="5" presetID="1" presetClass="entr" presetSubtype="0" fill="hold" grpId="0" nodeType="clickEffect">
-                                  <p:stCondLst>
-                                    <p:cond delay="0"/>
-                                  </p:stCondLst>
-                                  <p:childTnLst>
-                                    <p:set>
-                                      <p:cBhvr>
-                                        <p:cTn id="6" dur="1" fill="hold">
-                                          <p:stCondLst>
-                                            <p:cond delay="0"/>
-                                          </p:stCondLst>
-                                        </p:cTn>
-                                        <p:tgtEl>
-                                          <p:spTgt spid="5"/>
-                                        </p:tgtEl>
-                                        <p:attrNameLst>
-                                          <p:attrName>style.visibility</p:attrName>
-                                        </p:attrNameLst>
-                                      </p:cBhvr>
-                                      <p:to>
-                                        <p:strVal val="visible"/>
-                                      </p:to>
-                                    </p:set>
-                                  </p:childTnLst>
-                                </p:cTn>
-                              </p:par>
-                            </p:childTnLst>
-                          </p:cTn>
-                        </p:par>
-                      </p:childTnLst>
-                    </p:cTn>
-                  </p:par>
-                </p:childTnLst>
-              </p:cTn>
-              <p:prevCondLst>
-                <p:cond evt="onPrev" delay="0">
-                  <p:tgtEl>
-                    <p:sldTgt/>
-                  </p:tgtEl>
-                </p:cond>
-              </p:prevCondLst>
-              <p:nextCondLst>
-                <p:cond evt="onNext" delay="0">
-                  <p:tgtEl>
-                    <p:sldTgt/>
-                  </p:tgtEl>
-                </p:cond>
-              </p:nextCondLst>
-            </p:seq>
-          </p:childTnLst>
-        </p:cTn>
-      </p:par>
-    </p:tnLst>
-    <p:bldLst>
-      <p:bldP spid="5" grpId="0"/>
-    </p:bldLst>
   </p:timing>
 </p:sld>
 </file>
@@ -11195,6 +11212,14 @@
   <p:clrMapOvr>
     <a:masterClrMapping/>
   </p:clrMapOvr>
+  <mc:AlternateContent xmlns:mc="http://schemas.openxmlformats.org/markup-compatibility/2006">
+    <mc:Choice xmlns:p14="http://schemas.microsoft.com/office/powerpoint/2010/main" Requires="p14">
+      <p:transition spd="slow" p14:dur="2000"/>
+    </mc:Choice>
+    <mc:Fallback>
+      <p:transition spd="slow"/>
+    </mc:Fallback>
+  </mc:AlternateContent>
 </p:sld>
 </file>
 
@@ -11946,6 +11971,14 @@
   <p:clrMapOvr>
     <a:masterClrMapping/>
   </p:clrMapOvr>
+  <mc:AlternateContent xmlns:mc="http://schemas.openxmlformats.org/markup-compatibility/2006">
+    <mc:Choice xmlns:p14="http://schemas.microsoft.com/office/powerpoint/2010/main" Requires="p14">
+      <p:transition spd="slow" p14:dur="2000"/>
+    </mc:Choice>
+    <mc:Fallback>
+      <p:transition spd="slow"/>
+    </mc:Fallback>
+  </mc:AlternateContent>
   <p:timing>
     <p:tnLst>
       <p:par>
@@ -12465,6 +12498,14 @@
   <p:clrMapOvr>
     <a:masterClrMapping/>
   </p:clrMapOvr>
+  <mc:AlternateContent xmlns:mc="http://schemas.openxmlformats.org/markup-compatibility/2006">
+    <mc:Choice xmlns:p14="http://schemas.microsoft.com/office/powerpoint/2010/main" Requires="p14">
+      <p:transition spd="slow" p14:dur="2000"/>
+    </mc:Choice>
+    <mc:Fallback>
+      <p:transition spd="slow"/>
+    </mc:Fallback>
+  </mc:AlternateContent>
   <p:timing>
     <p:tnLst>
       <p:par>
@@ -12727,6 +12768,14 @@
   <p:clrMapOvr>
     <a:masterClrMapping/>
   </p:clrMapOvr>
+  <mc:AlternateContent xmlns:mc="http://schemas.openxmlformats.org/markup-compatibility/2006">
+    <mc:Choice xmlns:p14="http://schemas.microsoft.com/office/powerpoint/2010/main" Requires="p14">
+      <p:transition spd="slow" p14:dur="2000"/>
+    </mc:Choice>
+    <mc:Fallback>
+      <p:transition spd="slow"/>
+    </mc:Fallback>
+  </mc:AlternateContent>
   <p:timing>
     <p:tnLst>
       <p:par>
@@ -13532,6 +13581,14 @@
   <p:clrMapOvr>
     <a:masterClrMapping/>
   </p:clrMapOvr>
+  <mc:AlternateContent xmlns:mc="http://schemas.openxmlformats.org/markup-compatibility/2006">
+    <mc:Choice xmlns:p14="http://schemas.microsoft.com/office/powerpoint/2010/main" Requires="p14">
+      <p:transition spd="slow" p14:dur="2000"/>
+    </mc:Choice>
+    <mc:Fallback>
+      <p:transition spd="slow"/>
+    </mc:Fallback>
+  </mc:AlternateContent>
   <p:timing>
     <p:tnLst>
       <p:par>
@@ -13858,6 +13915,14 @@
   <p:clrMapOvr>
     <a:masterClrMapping/>
   </p:clrMapOvr>
+  <mc:AlternateContent xmlns:mc="http://schemas.openxmlformats.org/markup-compatibility/2006">
+    <mc:Choice xmlns:p14="http://schemas.microsoft.com/office/powerpoint/2010/main" Requires="p14">
+      <p:transition spd="slow" p14:dur="2000"/>
+    </mc:Choice>
+    <mc:Fallback>
+      <p:transition spd="slow"/>
+    </mc:Fallback>
+  </mc:AlternateContent>
 </p:sld>
 </file>
 
